--- a/19, Computer Repairing and Maintain Security.pptx
+++ b/19, Computer Repairing and Maintain Security.pptx
@@ -10,6 +10,8 @@
     <p:sldId id="258" r:id="rId4"/>
     <p:sldId id="259" r:id="rId5"/>
     <p:sldId id="260" r:id="rId6"/>
+    <p:sldId id="261" r:id="rId7"/>
+    <p:sldId id="262" r:id="rId8"/>
   </p:sldIdLst>
   <p:sldSz cx="12192000" cy="6858000"/>
   <p:notesSz cx="6858000" cy="9144000"/>
@@ -108,6 +110,11 @@
       </a:defRPr>
     </a:lvl9pPr>
   </p:defaultTextStyle>
+  <p:extLst>
+    <p:ext uri="{EFAFB233-063F-42B5-8137-9DF3F51BA10A}">
+      <p15:sldGuideLst xmlns:p15="http://schemas.microsoft.com/office/powerpoint/2012/main"/>
+    </p:ext>
+  </p:extLst>
 </p:presentation>
 </file>
 
@@ -3050,34 +3057,53 @@
             <p:ph type="title"/>
           </p:nvPr>
         </p:nvSpPr>
-        <p:spPr/>
-        <p:txBody>
-          <a:bodyPr/>
-          <a:lstStyle/>
-          <a:p>
+        <p:spPr>
+          <a:xfrm>
+            <a:off x="838200" y="365126"/>
+            <a:ext cx="10515600" cy="928098"/>
+          </a:xfrm>
+        </p:spPr>
+        <p:txBody>
+          <a:bodyPr/>
+          <a:lstStyle/>
+          <a:p>
+            <a:r>
+              <a:rPr lang="en-US" dirty="0" smtClean="0"/>
+              <a:t>Hard disk check</a:t>
+            </a:r>
             <a:endParaRPr lang="en-US" dirty="0"/>
           </a:p>
         </p:txBody>
       </p:sp>
-      <p:sp>
-        <p:nvSpPr>
-          <p:cNvPr id="3" name="Content Placeholder 2"/>
-          <p:cNvSpPr>
-            <a:spLocks noGrp="1"/>
-          </p:cNvSpPr>
+      <p:pic>
+        <p:nvPicPr>
+          <p:cNvPr id="4" name="Content Placeholder 3"/>
+          <p:cNvPicPr>
+            <a:picLocks noGrp="1" noChangeAspect="1"/>
+          </p:cNvPicPr>
           <p:nvPr>
             <p:ph idx="1"/>
           </p:nvPr>
-        </p:nvSpPr>
-        <p:spPr/>
-        <p:txBody>
-          <a:bodyPr/>
-          <a:lstStyle/>
-          <a:p>
-            <a:endParaRPr lang="en-US"/>
-          </a:p>
-        </p:txBody>
-      </p:sp>
+        </p:nvPicPr>
+        <p:blipFill>
+          <a:blip r:embed="rId2">
+            <a:extLst>
+              <a:ext uri="{28A0092B-C50C-407E-A947-70E740481C1C}">
+                <a14:useLocalDpi xmlns:a14="http://schemas.microsoft.com/office/drawing/2010/main" val="0"/>
+              </a:ext>
+            </a:extLst>
+          </a:blip>
+          <a:stretch>
+            <a:fillRect/>
+          </a:stretch>
+        </p:blipFill>
+        <p:spPr>
+          <a:xfrm>
+            <a:off x="2595904" y="1690688"/>
+            <a:ext cx="7000191" cy="4970793"/>
+          </a:xfrm>
+        </p:spPr>
+      </p:pic>
     </p:spTree>
     <p:extLst>
       <p:ext uri="{BB962C8B-B14F-4D97-AF65-F5344CB8AC3E}">
@@ -3123,29 +3149,43 @@
           <a:bodyPr/>
           <a:lstStyle/>
           <a:p>
-            <a:endParaRPr lang="en-US"/>
-          </a:p>
-        </p:txBody>
-      </p:sp>
-      <p:sp>
-        <p:nvSpPr>
-          <p:cNvPr id="3" name="Content Placeholder 2"/>
-          <p:cNvSpPr>
-            <a:spLocks noGrp="1"/>
-          </p:cNvSpPr>
+            <a:r>
+              <a:rPr lang="en-US" dirty="0" smtClean="0"/>
+              <a:t>Hard disk check</a:t>
+            </a:r>
+            <a:endParaRPr lang="en-US" dirty="0"/>
+          </a:p>
+        </p:txBody>
+      </p:sp>
+      <p:pic>
+        <p:nvPicPr>
+          <p:cNvPr id="4" name="Content Placeholder 3"/>
+          <p:cNvPicPr>
+            <a:picLocks noGrp="1" noChangeAspect="1"/>
+          </p:cNvPicPr>
           <p:nvPr>
             <p:ph idx="1"/>
           </p:nvPr>
-        </p:nvSpPr>
-        <p:spPr/>
-        <p:txBody>
-          <a:bodyPr/>
-          <a:lstStyle/>
-          <a:p>
-            <a:endParaRPr lang="en-US"/>
-          </a:p>
-        </p:txBody>
-      </p:sp>
+        </p:nvPicPr>
+        <p:blipFill>
+          <a:blip r:embed="rId2">
+            <a:extLst>
+              <a:ext uri="{28A0092B-C50C-407E-A947-70E740481C1C}">
+                <a14:useLocalDpi xmlns:a14="http://schemas.microsoft.com/office/drawing/2010/main" val="0"/>
+              </a:ext>
+            </a:extLst>
+          </a:blip>
+          <a:stretch>
+            <a:fillRect/>
+          </a:stretch>
+        </p:blipFill>
+        <p:spPr>
+          <a:xfrm>
+            <a:off x="2368851" y="1825624"/>
+            <a:ext cx="7454297" cy="4823369"/>
+          </a:xfrm>
+        </p:spPr>
+      </p:pic>
     </p:spTree>
     <p:extLst>
       <p:ext uri="{BB962C8B-B14F-4D97-AF65-F5344CB8AC3E}">
@@ -3191,29 +3231,43 @@
           <a:bodyPr/>
           <a:lstStyle/>
           <a:p>
-            <a:endParaRPr lang="en-US"/>
-          </a:p>
-        </p:txBody>
-      </p:sp>
-      <p:sp>
-        <p:nvSpPr>
-          <p:cNvPr id="3" name="Content Placeholder 2"/>
-          <p:cNvSpPr>
-            <a:spLocks noGrp="1"/>
-          </p:cNvSpPr>
+            <a:r>
+              <a:rPr lang="en-US" dirty="0" smtClean="0"/>
+              <a:t>Hard disk check</a:t>
+            </a:r>
+            <a:endParaRPr lang="en-US" dirty="0"/>
+          </a:p>
+        </p:txBody>
+      </p:sp>
+      <p:pic>
+        <p:nvPicPr>
+          <p:cNvPr id="4" name="Content Placeholder 3"/>
+          <p:cNvPicPr>
+            <a:picLocks noGrp="1" noChangeAspect="1"/>
+          </p:cNvPicPr>
           <p:nvPr>
             <p:ph idx="1"/>
           </p:nvPr>
-        </p:nvSpPr>
-        <p:spPr/>
-        <p:txBody>
-          <a:bodyPr/>
-          <a:lstStyle/>
-          <a:p>
-            <a:endParaRPr lang="en-US"/>
-          </a:p>
-        </p:txBody>
-      </p:sp>
+        </p:nvPicPr>
+        <p:blipFill>
+          <a:blip r:embed="rId2">
+            <a:extLst>
+              <a:ext uri="{28A0092B-C50C-407E-A947-70E740481C1C}">
+                <a14:useLocalDpi xmlns:a14="http://schemas.microsoft.com/office/drawing/2010/main" val="0"/>
+              </a:ext>
+            </a:extLst>
+          </a:blip>
+          <a:stretch>
+            <a:fillRect/>
+          </a:stretch>
+        </p:blipFill>
+        <p:spPr>
+          <a:xfrm>
+            <a:off x="2657026" y="1812561"/>
+            <a:ext cx="6877947" cy="4875621"/>
+          </a:xfrm>
+        </p:spPr>
+      </p:pic>
     </p:spTree>
     <p:extLst>
       <p:ext uri="{BB962C8B-B14F-4D97-AF65-F5344CB8AC3E}">
@@ -3254,31 +3308,72 @@
             <p:ph type="title"/>
           </p:nvPr>
         </p:nvSpPr>
-        <p:spPr/>
-        <p:txBody>
-          <a:bodyPr/>
-          <a:lstStyle/>
-          <a:p>
-            <a:endParaRPr lang="en-US"/>
-          </a:p>
-        </p:txBody>
-      </p:sp>
-      <p:sp>
-        <p:nvSpPr>
-          <p:cNvPr id="3" name="Content Placeholder 2"/>
-          <p:cNvSpPr>
-            <a:spLocks noGrp="1"/>
-          </p:cNvSpPr>
+        <p:spPr>
+          <a:xfrm>
+            <a:off x="838200" y="365126"/>
+            <a:ext cx="10515600" cy="784405"/>
+          </a:xfrm>
+        </p:spPr>
+        <p:txBody>
+          <a:bodyPr/>
+          <a:lstStyle/>
+          <a:p>
+            <a:endParaRPr lang="en-US" dirty="0"/>
+          </a:p>
+        </p:txBody>
+      </p:sp>
+      <p:pic>
+        <p:nvPicPr>
+          <p:cNvPr id="4" name="Content Placeholder 3"/>
+          <p:cNvPicPr>
+            <a:picLocks noGrp="1" noChangeAspect="1"/>
+          </p:cNvPicPr>
           <p:nvPr>
             <p:ph idx="1"/>
           </p:nvPr>
-        </p:nvSpPr>
-        <p:spPr/>
-        <p:txBody>
-          <a:bodyPr/>
-          <a:lstStyle/>
-          <a:p>
-            <a:endParaRPr lang="en-US"/>
+        </p:nvPicPr>
+        <p:blipFill>
+          <a:blip r:embed="rId2"/>
+          <a:stretch>
+            <a:fillRect/>
+          </a:stretch>
+        </p:blipFill>
+        <p:spPr>
+          <a:xfrm>
+            <a:off x="2124555" y="1355362"/>
+            <a:ext cx="7942890" cy="4614364"/>
+          </a:xfrm>
+          <a:prstGeom prst="rect">
+            <a:avLst/>
+          </a:prstGeom>
+        </p:spPr>
+      </p:pic>
+      <p:sp>
+        <p:nvSpPr>
+          <p:cNvPr id="6" name="TextBox 5"/>
+          <p:cNvSpPr txBox="1"/>
+          <p:nvPr/>
+        </p:nvSpPr>
+        <p:spPr>
+          <a:xfrm>
+            <a:off x="2246812" y="6322423"/>
+            <a:ext cx="5355771" cy="369332"/>
+          </a:xfrm>
+          <a:prstGeom prst="rect">
+            <a:avLst/>
+          </a:prstGeom>
+          <a:noFill/>
+        </p:spPr>
+        <p:txBody>
+          <a:bodyPr wrap="square" rtlCol="0">
+            <a:spAutoFit/>
+          </a:bodyPr>
+          <a:lstStyle/>
+          <a:p>
+            <a:r>
+              <a:rPr lang="en-US" dirty="0"/>
+              <a:t>https://www.hdsentinel.com/download.php</a:t>
+            </a:r>
           </a:p>
         </p:txBody>
       </p:sp>
@@ -3286,6 +3381,181 @@
     <p:extLst>
       <p:ext uri="{BB962C8B-B14F-4D97-AF65-F5344CB8AC3E}">
         <p14:creationId xmlns:p14="http://schemas.microsoft.com/office/powerpoint/2010/main" val="1470842451"/>
+      </p:ext>
+    </p:extLst>
+  </p:cSld>
+  <p:clrMapOvr>
+    <a:masterClrMapping/>
+  </p:clrMapOvr>
+</p:sld>
+</file>
+
+<file path=ppt/slides/slide6.xml><?xml version="1.0" encoding="utf-8"?>
+<p:sld xmlns:a="http://schemas.openxmlformats.org/drawingml/2006/main" xmlns:r="http://schemas.openxmlformats.org/officeDocument/2006/relationships" xmlns:p="http://schemas.openxmlformats.org/presentationml/2006/main">
+  <p:cSld>
+    <p:spTree>
+      <p:nvGrpSpPr>
+        <p:cNvPr id="1" name=""/>
+        <p:cNvGrpSpPr/>
+        <p:nvPr/>
+      </p:nvGrpSpPr>
+      <p:grpSpPr>
+        <a:xfrm>
+          <a:off x="0" y="0"/>
+          <a:ext cx="0" cy="0"/>
+          <a:chOff x="0" y="0"/>
+          <a:chExt cx="0" cy="0"/>
+        </a:xfrm>
+      </p:grpSpPr>
+      <p:sp>
+        <p:nvSpPr>
+          <p:cNvPr id="2" name="Title 1"/>
+          <p:cNvSpPr>
+            <a:spLocks noGrp="1"/>
+          </p:cNvSpPr>
+          <p:nvPr>
+            <p:ph type="title"/>
+          </p:nvPr>
+        </p:nvSpPr>
+        <p:spPr>
+          <a:xfrm>
+            <a:off x="838200" y="365125"/>
+            <a:ext cx="10515600" cy="849721"/>
+          </a:xfrm>
+        </p:spPr>
+        <p:txBody>
+          <a:bodyPr/>
+          <a:lstStyle/>
+          <a:p>
+            <a:r>
+              <a:rPr lang="en-US" dirty="0"/>
+              <a:t>windows crash and repair</a:t>
+            </a:r>
+          </a:p>
+        </p:txBody>
+      </p:sp>
+      <p:pic>
+        <p:nvPicPr>
+          <p:cNvPr id="4" name="Content Placeholder 3"/>
+          <p:cNvPicPr>
+            <a:picLocks noGrp="1" noChangeAspect="1"/>
+          </p:cNvPicPr>
+          <p:nvPr>
+            <p:ph idx="1"/>
+          </p:nvPr>
+        </p:nvPicPr>
+        <p:blipFill>
+          <a:blip r:embed="rId2">
+            <a:extLst>
+              <a:ext uri="{28A0092B-C50C-407E-A947-70E740481C1C}">
+                <a14:useLocalDpi xmlns:a14="http://schemas.microsoft.com/office/drawing/2010/main" val="0"/>
+              </a:ext>
+            </a:extLst>
+          </a:blip>
+          <a:stretch>
+            <a:fillRect/>
+          </a:stretch>
+        </p:blipFill>
+        <p:spPr>
+          <a:xfrm>
+            <a:off x="2842446" y="1499054"/>
+            <a:ext cx="6507107" cy="4351338"/>
+          </a:xfrm>
+        </p:spPr>
+      </p:pic>
+      <p:sp>
+        <p:nvSpPr>
+          <p:cNvPr id="5" name="TextBox 4"/>
+          <p:cNvSpPr txBox="1"/>
+          <p:nvPr/>
+        </p:nvSpPr>
+        <p:spPr>
+          <a:xfrm>
+            <a:off x="838200" y="6030097"/>
+            <a:ext cx="10491395" cy="646331"/>
+          </a:xfrm>
+          <a:prstGeom prst="rect">
+            <a:avLst/>
+          </a:prstGeom>
+          <a:noFill/>
+        </p:spPr>
+        <p:txBody>
+          <a:bodyPr wrap="square" rtlCol="0">
+            <a:spAutoFit/>
+          </a:bodyPr>
+          <a:lstStyle/>
+          <a:p>
+            <a:r>
+              <a:rPr lang="en-US" dirty="0"/>
+              <a:t>https://www.wikihow.com/Fix-a-Crashed-Computer-in-Windows#:~:text=Press%20the%20Power%20button%20to,into%20the%20Windows%20Repair%20menu.</a:t>
+            </a:r>
+          </a:p>
+        </p:txBody>
+      </p:sp>
+    </p:spTree>
+    <p:extLst>
+      <p:ext uri="{BB962C8B-B14F-4D97-AF65-F5344CB8AC3E}">
+        <p14:creationId xmlns:p14="http://schemas.microsoft.com/office/powerpoint/2010/main" val="2967346371"/>
+      </p:ext>
+    </p:extLst>
+  </p:cSld>
+  <p:clrMapOvr>
+    <a:masterClrMapping/>
+  </p:clrMapOvr>
+</p:sld>
+</file>
+
+<file path=ppt/slides/slide7.xml><?xml version="1.0" encoding="utf-8"?>
+<p:sld xmlns:a="http://schemas.openxmlformats.org/drawingml/2006/main" xmlns:r="http://schemas.openxmlformats.org/officeDocument/2006/relationships" xmlns:p="http://schemas.openxmlformats.org/presentationml/2006/main">
+  <p:cSld>
+    <p:spTree>
+      <p:nvGrpSpPr>
+        <p:cNvPr id="1" name=""/>
+        <p:cNvGrpSpPr/>
+        <p:nvPr/>
+      </p:nvGrpSpPr>
+      <p:grpSpPr>
+        <a:xfrm>
+          <a:off x="0" y="0"/>
+          <a:ext cx="0" cy="0"/>
+          <a:chOff x="0" y="0"/>
+          <a:chExt cx="0" cy="0"/>
+        </a:xfrm>
+      </p:grpSpPr>
+      <p:sp>
+        <p:nvSpPr>
+          <p:cNvPr id="2" name="Title 1"/>
+          <p:cNvSpPr>
+            <a:spLocks noGrp="1"/>
+          </p:cNvSpPr>
+          <p:nvPr>
+            <p:ph type="title"/>
+          </p:nvPr>
+        </p:nvSpPr>
+        <p:spPr>
+          <a:xfrm>
+            <a:off x="3738154" y="2742566"/>
+            <a:ext cx="5497287" cy="1325563"/>
+          </a:xfrm>
+        </p:spPr>
+        <p:txBody>
+          <a:bodyPr>
+            <a:noAutofit/>
+          </a:bodyPr>
+          <a:lstStyle/>
+          <a:p>
+            <a:r>
+              <a:rPr lang="en-US" sz="8000" dirty="0" smtClean="0"/>
+              <a:t>Thank You!!</a:t>
+            </a:r>
+            <a:endParaRPr lang="en-US" sz="8000" dirty="0"/>
+          </a:p>
+        </p:txBody>
+      </p:sp>
+    </p:spTree>
+    <p:extLst>
+      <p:ext uri="{BB962C8B-B14F-4D97-AF65-F5344CB8AC3E}">
+        <p14:creationId xmlns:p14="http://schemas.microsoft.com/office/powerpoint/2010/main" val="2617838278"/>
       </p:ext>
     </p:extLst>
   </p:cSld>

--- a/19, Computer Repairing and Maintain Security.pptx
+++ b/19, Computer Repairing and Maintain Security.pptx
@@ -249,7 +249,7 @@
           <a:p>
             <a:fld id="{032D7736-815A-4CE4-AAAE-452787930F36}" type="datetimeFigureOut">
               <a:rPr lang="en-US" smtClean="0"/>
-              <a:t>12/6/2023</a:t>
+              <a:t>12/10/2023</a:t>
             </a:fld>
             <a:endParaRPr lang="en-US"/>
           </a:p>
@@ -419,7 +419,7 @@
           <a:p>
             <a:fld id="{032D7736-815A-4CE4-AAAE-452787930F36}" type="datetimeFigureOut">
               <a:rPr lang="en-US" smtClean="0"/>
-              <a:t>12/6/2023</a:t>
+              <a:t>12/10/2023</a:t>
             </a:fld>
             <a:endParaRPr lang="en-US"/>
           </a:p>
@@ -599,7 +599,7 @@
           <a:p>
             <a:fld id="{032D7736-815A-4CE4-AAAE-452787930F36}" type="datetimeFigureOut">
               <a:rPr lang="en-US" smtClean="0"/>
-              <a:t>12/6/2023</a:t>
+              <a:t>12/10/2023</a:t>
             </a:fld>
             <a:endParaRPr lang="en-US"/>
           </a:p>
@@ -769,7 +769,7 @@
           <a:p>
             <a:fld id="{032D7736-815A-4CE4-AAAE-452787930F36}" type="datetimeFigureOut">
               <a:rPr lang="en-US" smtClean="0"/>
-              <a:t>12/6/2023</a:t>
+              <a:t>12/10/2023</a:t>
             </a:fld>
             <a:endParaRPr lang="en-US"/>
           </a:p>
@@ -1015,7 +1015,7 @@
           <a:p>
             <a:fld id="{032D7736-815A-4CE4-AAAE-452787930F36}" type="datetimeFigureOut">
               <a:rPr lang="en-US" smtClean="0"/>
-              <a:t>12/6/2023</a:t>
+              <a:t>12/10/2023</a:t>
             </a:fld>
             <a:endParaRPr lang="en-US"/>
           </a:p>
@@ -1247,7 +1247,7 @@
           <a:p>
             <a:fld id="{032D7736-815A-4CE4-AAAE-452787930F36}" type="datetimeFigureOut">
               <a:rPr lang="en-US" smtClean="0"/>
-              <a:t>12/6/2023</a:t>
+              <a:t>12/10/2023</a:t>
             </a:fld>
             <a:endParaRPr lang="en-US"/>
           </a:p>
@@ -1614,7 +1614,7 @@
           <a:p>
             <a:fld id="{032D7736-815A-4CE4-AAAE-452787930F36}" type="datetimeFigureOut">
               <a:rPr lang="en-US" smtClean="0"/>
-              <a:t>12/6/2023</a:t>
+              <a:t>12/10/2023</a:t>
             </a:fld>
             <a:endParaRPr lang="en-US"/>
           </a:p>
@@ -1732,7 +1732,7 @@
           <a:p>
             <a:fld id="{032D7736-815A-4CE4-AAAE-452787930F36}" type="datetimeFigureOut">
               <a:rPr lang="en-US" smtClean="0"/>
-              <a:t>12/6/2023</a:t>
+              <a:t>12/10/2023</a:t>
             </a:fld>
             <a:endParaRPr lang="en-US"/>
           </a:p>
@@ -1827,7 +1827,7 @@
           <a:p>
             <a:fld id="{032D7736-815A-4CE4-AAAE-452787930F36}" type="datetimeFigureOut">
               <a:rPr lang="en-US" smtClean="0"/>
-              <a:t>12/6/2023</a:t>
+              <a:t>12/10/2023</a:t>
             </a:fld>
             <a:endParaRPr lang="en-US"/>
           </a:p>
@@ -2104,7 +2104,7 @@
           <a:p>
             <a:fld id="{032D7736-815A-4CE4-AAAE-452787930F36}" type="datetimeFigureOut">
               <a:rPr lang="en-US" smtClean="0"/>
-              <a:t>12/6/2023</a:t>
+              <a:t>12/10/2023</a:t>
             </a:fld>
             <a:endParaRPr lang="en-US"/>
           </a:p>
@@ -2357,7 +2357,7 @@
           <a:p>
             <a:fld id="{032D7736-815A-4CE4-AAAE-452787930F36}" type="datetimeFigureOut">
               <a:rPr lang="en-US" smtClean="0"/>
-              <a:t>12/6/2023</a:t>
+              <a:t>12/10/2023</a:t>
             </a:fld>
             <a:endParaRPr lang="en-US"/>
           </a:p>
@@ -2570,7 +2570,7 @@
           <a:p>
             <a:fld id="{032D7736-815A-4CE4-AAAE-452787930F36}" type="datetimeFigureOut">
               <a:rPr lang="en-US" smtClean="0"/>
-              <a:t>12/6/2023</a:t>
+              <a:t>12/10/2023</a:t>
             </a:fld>
             <a:endParaRPr lang="en-US"/>
           </a:p>
@@ -3318,6 +3318,10 @@
           <a:bodyPr/>
           <a:lstStyle/>
           <a:p>
+            <a:r>
+              <a:rPr lang="en-US" smtClean="0"/>
+              <a:t>Software</a:t>
+            </a:r>
             <a:endParaRPr lang="en-US" dirty="0"/>
           </a:p>
         </p:txBody>
